--- a/Présentation/Portfolio_Leonard_Damien.pptx
+++ b/Présentation/Portfolio_Leonard_Damien.pptx
@@ -25994,12 +25994,13 @@
             <a:r>
               <a:rPr i="1" lang="en" sz="1800" u="sng">
                 <a:solidFill>
-                  <a:srgbClr val="0000FF"/>
+                  <a:schemeClr val="hlink"/>
                 </a:solidFill>
                 <a:latin typeface="Quicksand"/>
                 <a:ea typeface="Quicksand"/>
                 <a:cs typeface="Quicksand"/>
                 <a:sym typeface="Quicksand"/>
+                <a:hlinkClick r:id="rId4"/>
               </a:rPr>
               <a:t>Lien Github vers le projet</a:t>
             </a:r>
@@ -26759,12 +26760,13 @@
             <a:r>
               <a:rPr i="1" lang="en" sz="1800" u="sng">
                 <a:solidFill>
-                  <a:srgbClr val="0000FF"/>
+                  <a:schemeClr val="hlink"/>
                 </a:solidFill>
                 <a:latin typeface="Quicksand"/>
                 <a:ea typeface="Quicksand"/>
                 <a:cs typeface="Quicksand"/>
                 <a:sym typeface="Quicksand"/>
+                <a:hlinkClick r:id="rId3"/>
               </a:rPr>
               <a:t>Lien Github vers le projet</a:t>
             </a:r>
@@ -26787,7 +26789,7 @@
           <p:nvPr/>
         </p:nvPicPr>
         <p:blipFill>
-          <a:blip r:embed="rId3">
+          <a:blip r:embed="rId4">
             <a:alphaModFix/>
           </a:blip>
           <a:stretch>
@@ -27562,12 +27564,13 @@
             <a:r>
               <a:rPr i="1" lang="en" sz="1800" u="sng">
                 <a:solidFill>
-                  <a:srgbClr val="0000FF"/>
+                  <a:schemeClr val="hlink"/>
                 </a:solidFill>
                 <a:latin typeface="Quicksand"/>
                 <a:ea typeface="Quicksand"/>
                 <a:cs typeface="Quicksand"/>
                 <a:sym typeface="Quicksand"/>
+                <a:hlinkClick r:id="rId3"/>
               </a:rPr>
               <a:t>Lien Github vers le projet</a:t>
             </a:r>
@@ -27590,7 +27593,7 @@
           <p:nvPr/>
         </p:nvPicPr>
         <p:blipFill>
-          <a:blip r:embed="rId3">
+          <a:blip r:embed="rId4">
             <a:alphaModFix/>
           </a:blip>
           <a:stretch>
@@ -28343,12 +28346,13 @@
             <a:r>
               <a:rPr i="1" lang="en" sz="1800" u="sng">
                 <a:solidFill>
-                  <a:srgbClr val="0000FF"/>
+                  <a:schemeClr val="hlink"/>
                 </a:solidFill>
                 <a:latin typeface="Quicksand"/>
                 <a:ea typeface="Quicksand"/>
                 <a:cs typeface="Quicksand"/>
                 <a:sym typeface="Quicksand"/>
+                <a:hlinkClick r:id="rId3"/>
               </a:rPr>
               <a:t>Lien Github vers le projet</a:t>
             </a:r>
@@ -28371,7 +28375,7 @@
           <p:nvPr/>
         </p:nvPicPr>
         <p:blipFill rotWithShape="1">
-          <a:blip r:embed="rId3">
+          <a:blip r:embed="rId4">
             <a:alphaModFix amt="76000"/>
           </a:blip>
           <a:srcRect b="0" l="0" r="0" t="0"/>
